--- a/CLE Presentation.pptx
+++ b/CLE Presentation.pptx
@@ -245,7 +245,7 @@
             <a:fld id="{5C2D9B42-B998-41BB-8B3A-3D9BF276D67B}" type="datetimeFigureOut">
               <a:rPr lang="en-US" smtClean="0"/>
               <a:pPr/>
-              <a:t>3/25/2014</a:t>
+              <a:t>4/15/2016</a:t>
             </a:fld>
             <a:endParaRPr lang="en-US"/>
           </a:p>
@@ -408,7 +408,7 @@
             <a:fld id="{4A90F571-FA63-4EE3-97E0-13188F7EFEC1}" type="datetimeFigureOut">
               <a:rPr lang="en-US" smtClean="0"/>
               <a:pPr/>
-              <a:t>3/25/2014</a:t>
+              <a:t>4/15/2016</a:t>
             </a:fld>
             <a:endParaRPr lang="en-US"/>
           </a:p>
@@ -6715,6 +6715,25 @@
             </a:endParaRPr>
           </a:p>
           <a:p>
+            <a:endParaRPr lang="en-US" sz="1800" b="0" dirty="0" smtClean="0">
+              <a:solidFill>
+                <a:schemeClr val="tx1"/>
+              </a:solidFill>
+              <a:latin typeface="Times New Roman" pitchFamily="18" charset="0"/>
+              <a:cs typeface="Times New Roman" pitchFamily="18" charset="0"/>
+            </a:endParaRPr>
+          </a:p>
+          <a:p>
+            <a:r>
+              <a:rPr lang="en-US" sz="1800" b="0" dirty="0" err="1" smtClean="0">
+                <a:solidFill>
+                  <a:schemeClr val="tx1"/>
+                </a:solidFill>
+                <a:latin typeface="Times New Roman" pitchFamily="18" charset="0"/>
+                <a:cs typeface="Times New Roman" pitchFamily="18" charset="0"/>
+              </a:rPr>
+              <a:t>N.Prashanth</a:t>
+            </a:r>
             <a:r>
               <a:rPr lang="en-US" sz="1800" b="0" dirty="0" smtClean="0">
                 <a:solidFill>
@@ -6723,10 +6742,8 @@
                 <a:latin typeface="Times New Roman" pitchFamily="18" charset="0"/>
                 <a:cs typeface="Times New Roman" pitchFamily="18" charset="0"/>
               </a:rPr>
-              <a:t>M.Naga Sai Bharadwaj 	-	10831A0530</a:t>
-            </a:r>
-          </a:p>
-          <a:p>
+              <a:t> </a:t>
+            </a:r>
             <a:r>
               <a:rPr lang="en-US" sz="1800" b="0" dirty="0" smtClean="0">
                 <a:solidFill>
@@ -6735,20 +6752,10 @@
                 <a:latin typeface="Times New Roman" pitchFamily="18" charset="0"/>
                 <a:cs typeface="Times New Roman" pitchFamily="18" charset="0"/>
               </a:rPr>
-              <a:t>N.Prashanth 		-	10831A0536</a:t>
-            </a:r>
-          </a:p>
-          <a:p>
-            <a:r>
-              <a:rPr lang="en-US" sz="1800" b="0" dirty="0" smtClean="0">
-                <a:solidFill>
-                  <a:schemeClr val="tx1"/>
-                </a:solidFill>
-                <a:latin typeface="Times New Roman" pitchFamily="18" charset="0"/>
-                <a:cs typeface="Times New Roman" pitchFamily="18" charset="0"/>
-              </a:rPr>
-              <a:t>P.Sandeep			-	10N21A0595</a:t>
-            </a:r>
+              <a:t>		-	10831A0536</a:t>
+            </a:r>
+          </a:p>
+          <a:p>
             <a:endParaRPr lang="en-US" sz="1800" b="0" dirty="0">
               <a:solidFill>
                 <a:schemeClr val="tx1"/>
@@ -12700,27 +12707,7 @@
                 <a:latin typeface="Times New Roman" pitchFamily="18" charset="0"/>
                 <a:cs typeface="Times New Roman" pitchFamily="18" charset="0"/>
               </a:rPr>
-              <a:t>Sign-in </a:t>
-            </a:r>
-            <a:r>
-              <a:rPr lang="en-US" sz="4200" b="1" dirty="0" smtClean="0">
-                <a:solidFill>
-                  <a:schemeClr val="accent1"/>
-                </a:solidFill>
-                <a:latin typeface="Times New Roman" pitchFamily="18" charset="0"/>
-                <a:cs typeface="Times New Roman" pitchFamily="18" charset="0"/>
-              </a:rPr>
-              <a:t>P</a:t>
-            </a:r>
-            <a:r>
-              <a:rPr lang="en-US" sz="4200" b="1" dirty="0" smtClean="0">
-                <a:solidFill>
-                  <a:schemeClr val="accent1"/>
-                </a:solidFill>
-                <a:latin typeface="Times New Roman" pitchFamily="18" charset="0"/>
-                <a:cs typeface="Times New Roman" pitchFamily="18" charset="0"/>
-              </a:rPr>
-              <a:t>age</a:t>
+              <a:t>Sign-in Page</a:t>
             </a:r>
             <a:endParaRPr lang="en-US" sz="4200" b="1" dirty="0">
               <a:solidFill>
